--- a/docs-japan/1 - Preliminary Theory-MLE.pptx
+++ b/docs-japan/1 - Preliminary Theory-MLE.pptx
@@ -253,7 +253,7 @@
           <a:p>
             <a:fld id="{CC3CEC2A-89C2-4D4C-9C9F-93B919D0233C}" type="datetimeFigureOut">
               <a:rPr lang="en-US" smtClean="0"/>
-              <a:t>2017-03-19</a:t>
+              <a:t>1/29/2019</a:t>
             </a:fld>
             <a:endParaRPr lang="en-US"/>
           </a:p>
@@ -423,7 +423,7 @@
           <a:p>
             <a:fld id="{CC3CEC2A-89C2-4D4C-9C9F-93B919D0233C}" type="datetimeFigureOut">
               <a:rPr lang="en-US" smtClean="0"/>
-              <a:t>2017-03-19</a:t>
+              <a:t>1/29/2019</a:t>
             </a:fld>
             <a:endParaRPr lang="en-US"/>
           </a:p>
@@ -603,7 +603,7 @@
           <a:p>
             <a:fld id="{CC3CEC2A-89C2-4D4C-9C9F-93B919D0233C}" type="datetimeFigureOut">
               <a:rPr lang="en-US" smtClean="0"/>
-              <a:t>2017-03-19</a:t>
+              <a:t>1/29/2019</a:t>
             </a:fld>
             <a:endParaRPr lang="en-US"/>
           </a:p>
@@ -1028,7 +1028,7 @@
           <a:p>
             <a:fld id="{CC3CEC2A-89C2-4D4C-9C9F-93B919D0233C}" type="datetimeFigureOut">
               <a:rPr lang="en-US" smtClean="0"/>
-              <a:t>2017-03-19</a:t>
+              <a:t>1/29/2019</a:t>
             </a:fld>
             <a:endParaRPr lang="en-US"/>
           </a:p>
@@ -1260,7 +1260,7 @@
           <a:p>
             <a:fld id="{CC3CEC2A-89C2-4D4C-9C9F-93B919D0233C}" type="datetimeFigureOut">
               <a:rPr lang="en-US" smtClean="0"/>
-              <a:t>2017-03-19</a:t>
+              <a:t>1/29/2019</a:t>
             </a:fld>
             <a:endParaRPr lang="en-US"/>
           </a:p>
@@ -1627,7 +1627,7 @@
           <a:p>
             <a:fld id="{CC3CEC2A-89C2-4D4C-9C9F-93B919D0233C}" type="datetimeFigureOut">
               <a:rPr lang="en-US" smtClean="0"/>
-              <a:t>2017-03-19</a:t>
+              <a:t>1/29/2019</a:t>
             </a:fld>
             <a:endParaRPr lang="en-US"/>
           </a:p>
@@ -1745,7 +1745,7 @@
           <a:p>
             <a:fld id="{CC3CEC2A-89C2-4D4C-9C9F-93B919D0233C}" type="datetimeFigureOut">
               <a:rPr lang="en-US" smtClean="0"/>
-              <a:t>2017-03-19</a:t>
+              <a:t>1/29/2019</a:t>
             </a:fld>
             <a:endParaRPr lang="en-US"/>
           </a:p>
@@ -1840,7 +1840,7 @@
           <a:p>
             <a:fld id="{CC3CEC2A-89C2-4D4C-9C9F-93B919D0233C}" type="datetimeFigureOut">
               <a:rPr lang="en-US" smtClean="0"/>
-              <a:t>2017-03-19</a:t>
+              <a:t>1/29/2019</a:t>
             </a:fld>
             <a:endParaRPr lang="en-US"/>
           </a:p>
@@ -2117,7 +2117,7 @@
           <a:p>
             <a:fld id="{CC3CEC2A-89C2-4D4C-9C9F-93B919D0233C}" type="datetimeFigureOut">
               <a:rPr lang="en-US" smtClean="0"/>
-              <a:t>2017-03-19</a:t>
+              <a:t>1/29/2019</a:t>
             </a:fld>
             <a:endParaRPr lang="en-US"/>
           </a:p>
@@ -2374,7 +2374,7 @@
           <a:p>
             <a:fld id="{CC3CEC2A-89C2-4D4C-9C9F-93B919D0233C}" type="datetimeFigureOut">
               <a:rPr lang="en-US" smtClean="0"/>
-              <a:t>2017-03-19</a:t>
+              <a:t>1/29/2019</a:t>
             </a:fld>
             <a:endParaRPr lang="en-US"/>
           </a:p>
@@ -2587,7 +2587,7 @@
           <a:p>
             <a:fld id="{CC3CEC2A-89C2-4D4C-9C9F-93B919D0233C}" type="datetimeFigureOut">
               <a:rPr lang="en-US" smtClean="0"/>
-              <a:t>2017-03-19</a:t>
+              <a:t>1/29/2019</a:t>
             </a:fld>
             <a:endParaRPr lang="en-US"/>
           </a:p>
@@ -3236,7 +3236,7 @@
           <a:graphicData uri="http://schemas.openxmlformats.org/presentationml/2006/ole">
             <mc:AlternateContent xmlns:mc="http://schemas.openxmlformats.org/markup-compatibility/2006">
               <mc:Choice xmlns:v="urn:schemas-microsoft-com:vml" Requires="v">
-                <p:oleObj spid="_x0000_s4167" name="Equation" r:id="rId3" imgW="1130300" imgH="457200" progId="Equation.3">
+                <p:oleObj spid="_x0000_s4173" name="Equation" r:id="rId3" imgW="1130300" imgH="457200" progId="Equation.3">
                   <p:embed/>
                 </p:oleObj>
               </mc:Choice>
@@ -3325,7 +3325,7 @@
           <a:graphicData uri="http://schemas.openxmlformats.org/presentationml/2006/ole">
             <mc:AlternateContent xmlns:mc="http://schemas.openxmlformats.org/markup-compatibility/2006">
               <mc:Choice xmlns:v="urn:schemas-microsoft-com:vml" Requires="v">
-                <p:oleObj spid="_x0000_s4168" name="Equation" r:id="rId5" imgW="1358900" imgH="457200" progId="Equation.3">
+                <p:oleObj spid="_x0000_s4174" name="Equation" r:id="rId5" imgW="1358900" imgH="457200" progId="Equation.3">
                   <p:embed/>
                 </p:oleObj>
               </mc:Choice>
@@ -3414,7 +3414,7 @@
           <a:graphicData uri="http://schemas.openxmlformats.org/presentationml/2006/ole">
             <mc:AlternateContent xmlns:mc="http://schemas.openxmlformats.org/markup-compatibility/2006">
               <mc:Choice xmlns:v="urn:schemas-microsoft-com:vml" Requires="v">
-                <p:oleObj spid="_x0000_s4169" name="Equation" r:id="rId7" imgW="1854200" imgH="457200" progId="Equation.3">
+                <p:oleObj spid="_x0000_s4175" name="Equation" r:id="rId7" imgW="1854200" imgH="457200" progId="Equation.3">
                   <p:embed/>
                 </p:oleObj>
               </mc:Choice>
@@ -3694,7 +3694,7 @@
           <a:graphicData uri="http://schemas.openxmlformats.org/presentationml/2006/ole">
             <mc:AlternateContent xmlns:mc="http://schemas.openxmlformats.org/markup-compatibility/2006">
               <mc:Choice xmlns:v="urn:schemas-microsoft-com:vml" Requires="v">
-                <p:oleObj spid="_x0000_s5205" name="수식" r:id="rId3" imgW="1002960" imgH="279360" progId="Equation.3">
+                <p:oleObj spid="_x0000_s5215" name="수식" r:id="rId3" imgW="1002960" imgH="279360" progId="Equation.3">
                   <p:embed/>
                 </p:oleObj>
               </mc:Choice>
@@ -3759,7 +3759,7 @@
           <a:graphicData uri="http://schemas.openxmlformats.org/presentationml/2006/ole">
             <mc:AlternateContent xmlns:mc="http://schemas.openxmlformats.org/markup-compatibility/2006">
               <mc:Choice xmlns:v="urn:schemas-microsoft-com:vml" Requires="v">
-                <p:oleObj spid="_x0000_s5206" name="수식" r:id="rId5" imgW="622080" imgH="203040" progId="Equation.3">
+                <p:oleObj spid="_x0000_s5216" name="수식" r:id="rId5" imgW="622080" imgH="203040" progId="Equation.3">
                   <p:embed/>
                 </p:oleObj>
               </mc:Choice>
@@ -3842,7 +3842,7 @@
           <a:graphicData uri="http://schemas.openxmlformats.org/presentationml/2006/ole">
             <mc:AlternateContent xmlns:mc="http://schemas.openxmlformats.org/markup-compatibility/2006">
               <mc:Choice xmlns:v="urn:schemas-microsoft-com:vml" Requires="v">
-                <p:oleObj spid="_x0000_s5207" name="수식" r:id="rId7" imgW="1955520" imgH="203040" progId="Equation.3">
+                <p:oleObj spid="_x0000_s5217" name="수식" r:id="rId7" imgW="1955520" imgH="203040" progId="Equation.3">
                   <p:embed/>
                 </p:oleObj>
               </mc:Choice>
@@ -3925,7 +3925,7 @@
           <a:graphicData uri="http://schemas.openxmlformats.org/presentationml/2006/ole">
             <mc:AlternateContent xmlns:mc="http://schemas.openxmlformats.org/markup-compatibility/2006">
               <mc:Choice xmlns:v="urn:schemas-microsoft-com:vml" Requires="v">
-                <p:oleObj spid="_x0000_s5208" name="Equation" r:id="rId9" imgW="622030" imgH="279279" progId="Equation.3">
+                <p:oleObj spid="_x0000_s5218" name="Equation" r:id="rId9" imgW="622030" imgH="279279" progId="Equation.3">
                   <p:embed/>
                 </p:oleObj>
               </mc:Choice>
@@ -4014,7 +4014,7 @@
           <a:graphicData uri="http://schemas.openxmlformats.org/presentationml/2006/ole">
             <mc:AlternateContent xmlns:mc="http://schemas.openxmlformats.org/markup-compatibility/2006">
               <mc:Choice xmlns:v="urn:schemas-microsoft-com:vml" Requires="v">
-                <p:oleObj spid="_x0000_s5209" name="수식" r:id="rId11" imgW="1295280" imgH="291960" progId="Equation.3">
+                <p:oleObj spid="_x0000_s5219" name="수식" r:id="rId11" imgW="1295280" imgH="291960" progId="Equation.3">
                   <p:embed/>
                 </p:oleObj>
               </mc:Choice>
@@ -4282,8 +4282,8 @@
           </a:p>
         </p:txBody>
       </p:sp>
-      <mc:AlternateContent xmlns:mc="http://schemas.openxmlformats.org/markup-compatibility/2006">
-        <mc:Choice xmlns:a14="http://schemas.microsoft.com/office/drawing/2010/main" Requires="a14">
+      <mc:AlternateContent xmlns:mc="http://schemas.openxmlformats.org/markup-compatibility/2006" xmlns:a14="http://schemas.microsoft.com/office/drawing/2010/main">
+        <mc:Choice Requires="a14">
           <p:sp>
             <p:nvSpPr>
               <p:cNvPr id="3" name="Content Placeholder 2"/>
@@ -4589,7 +4589,7 @@
             </p:txBody>
           </p:sp>
         </mc:Choice>
-        <mc:Fallback>
+        <mc:Fallback xmlns="">
           <p:sp>
             <p:nvSpPr>
               <p:cNvPr id="3" name="Content Placeholder 2"/>
@@ -5793,7 +5793,7 @@
           <a:graphicData uri="http://schemas.openxmlformats.org/presentationml/2006/ole">
             <mc:AlternateContent xmlns:mc="http://schemas.openxmlformats.org/markup-compatibility/2006">
               <mc:Choice xmlns:v="urn:schemas-microsoft-com:vml" Requires="v">
-                <p:oleObj spid="_x0000_s1158" name="Equation" r:id="rId3" imgW="1548728" imgH="330057" progId="Equation.3">
+                <p:oleObj spid="_x0000_s1164" name="Equation" r:id="rId3" imgW="1548728" imgH="330057" progId="Equation.3">
                   <p:embed/>
                 </p:oleObj>
               </mc:Choice>
@@ -5882,7 +5882,7 @@
           <a:graphicData uri="http://schemas.openxmlformats.org/presentationml/2006/ole">
             <mc:AlternateContent xmlns:mc="http://schemas.openxmlformats.org/markup-compatibility/2006">
               <mc:Choice xmlns:v="urn:schemas-microsoft-com:vml" Requires="v">
-                <p:oleObj spid="_x0000_s1159" name="Equation" r:id="rId5" imgW="1409700" imgH="508000" progId="Equation.3">
+                <p:oleObj spid="_x0000_s1165" name="Equation" r:id="rId5" imgW="1409700" imgH="508000" progId="Equation.3">
                   <p:embed/>
                 </p:oleObj>
               </mc:Choice>
@@ -5971,7 +5971,7 @@
           <a:graphicData uri="http://schemas.openxmlformats.org/presentationml/2006/ole">
             <mc:AlternateContent xmlns:mc="http://schemas.openxmlformats.org/markup-compatibility/2006">
               <mc:Choice xmlns:v="urn:schemas-microsoft-com:vml" Requires="v">
-                <p:oleObj spid="_x0000_s1160" name="Equation" r:id="rId7" imgW="901700" imgH="228600" progId="Equation.3">
+                <p:oleObj spid="_x0000_s1166" name="Equation" r:id="rId7" imgW="901700" imgH="228600" progId="Equation.3">
                   <p:embed/>
                 </p:oleObj>
               </mc:Choice>
@@ -6193,7 +6193,7 @@
           <a:graphicData uri="http://schemas.openxmlformats.org/presentationml/2006/ole">
             <mc:AlternateContent xmlns:mc="http://schemas.openxmlformats.org/markup-compatibility/2006">
               <mc:Choice xmlns:v="urn:schemas-microsoft-com:vml" Requires="v">
-                <p:oleObj spid="_x0000_s2152" name="Equation" r:id="rId3" imgW="787400" imgH="431800" progId="Equation.3">
+                <p:oleObj spid="_x0000_s2158" name="Equation" r:id="rId3" imgW="787400" imgH="431800" progId="Equation.3">
                   <p:embed/>
                 </p:oleObj>
               </mc:Choice>
@@ -6282,7 +6282,7 @@
           <a:graphicData uri="http://schemas.openxmlformats.org/presentationml/2006/ole">
             <mc:AlternateContent xmlns:mc="http://schemas.openxmlformats.org/markup-compatibility/2006">
               <mc:Choice xmlns:v="urn:schemas-microsoft-com:vml" Requires="v">
-                <p:oleObj spid="_x0000_s2153" name="Equation" r:id="rId5" imgW="1511300" imgH="520700" progId="Equation.3">
+                <p:oleObj spid="_x0000_s2159" name="Equation" r:id="rId5" imgW="1511300" imgH="520700" progId="Equation.3">
                   <p:embed/>
                 </p:oleObj>
               </mc:Choice>
@@ -6371,7 +6371,7 @@
           <a:graphicData uri="http://schemas.openxmlformats.org/presentationml/2006/ole">
             <mc:AlternateContent xmlns:mc="http://schemas.openxmlformats.org/markup-compatibility/2006">
               <mc:Choice xmlns:v="urn:schemas-microsoft-com:vml" Requires="v">
-                <p:oleObj spid="_x0000_s2154" name="수식" r:id="rId7" imgW="1536480" imgH="495000" progId="Equation.3">
+                <p:oleObj spid="_x0000_s2160" name="수식" r:id="rId7" imgW="1536480" imgH="495000" progId="Equation.3">
                   <p:embed/>
                 </p:oleObj>
               </mc:Choice>
@@ -6564,167 +6564,1268 @@
           </a:p>
         </p:txBody>
       </p:sp>
-      <p:graphicFrame>
-        <p:nvGraphicFramePr>
-          <p:cNvPr id="4" name="Object 4"/>
-          <p:cNvGraphicFramePr>
-            <a:graphicFrameLocks noChangeAspect="1"/>
-          </p:cNvGraphicFramePr>
-          <p:nvPr>
-            <p:extLst>
-              <p:ext uri="{D42A27DB-BD31-4B8C-83A1-F6EECF244321}">
-                <p14:modId xmlns:p14="http://schemas.microsoft.com/office/powerpoint/2010/main" val="2211297211"/>
-              </p:ext>
-            </p:extLst>
-          </p:nvPr>
-        </p:nvGraphicFramePr>
-        <p:xfrm>
-          <a:off x="842241" y="1609437"/>
-          <a:ext cx="6985000" cy="1206500"/>
-        </p:xfrm>
-        <a:graphic>
-          <a:graphicData uri="http://schemas.openxmlformats.org/presentationml/2006/ole">
-            <mc:AlternateContent xmlns:mc="http://schemas.openxmlformats.org/markup-compatibility/2006">
-              <mc:Choice xmlns:v="urn:schemas-microsoft-com:vml" Requires="v">
-                <p:oleObj spid="_x0000_s3126" name="Equation" r:id="rId3" imgW="2984500" imgH="508000" progId="Equation.3">
-                  <p:embed/>
-                </p:oleObj>
-              </mc:Choice>
-              <mc:Fallback>
-                <p:oleObj name="Equation" r:id="rId3" imgW="2984500" imgH="508000" progId="Equation.3">
-                  <p:embed/>
-                  <p:pic>
-                    <p:nvPicPr>
-                      <p:cNvPr id="11269" name="Object 4"/>
-                      <p:cNvPicPr>
-                        <a:picLocks noChangeAspect="1" noChangeArrowheads="1"/>
-                      </p:cNvPicPr>
-                      <p:nvPr/>
-                    </p:nvPicPr>
-                    <p:blipFill>
-                      <a:blip r:embed="rId4">
-                        <a:extLst>
-                          <a:ext uri="{28A0092B-C50C-407E-A947-70E740481C1C}">
-                            <a14:useLocalDpi xmlns:a14="http://schemas.microsoft.com/office/drawing/2010/main" val="0"/>
-                          </a:ext>
-                        </a:extLst>
-                      </a:blip>
-                      <a:srcRect/>
-                      <a:stretch>
-                        <a:fillRect/>
-                      </a:stretch>
-                    </p:blipFill>
-                    <p:spPr bwMode="auto">
-                      <a:xfrm>
-                        <a:off x="842241" y="1609437"/>
-                        <a:ext cx="6985000" cy="1206500"/>
-                      </a:xfrm>
-                      <a:prstGeom prst="rect">
-                        <a:avLst/>
-                      </a:prstGeom>
-                      <a:noFill/>
-                      <a:ln>
-                        <a:noFill/>
-                      </a:ln>
-                      <a:extLst>
-                        <a:ext uri="{909E8E84-426E-40DD-AFC4-6F175D3DCCD1}">
-                          <a14:hiddenFill xmlns:a14="http://schemas.microsoft.com/office/drawing/2010/main">
-                            <a:solidFill>
-                              <a:srgbClr val="FFFFFF"/>
-                            </a:solidFill>
-                          </a14:hiddenFill>
-                        </a:ext>
-                        <a:ext uri="{91240B29-F687-4F45-9708-019B960494DF}">
-                          <a14:hiddenLine xmlns:a14="http://schemas.microsoft.com/office/drawing/2010/main" w="9525">
-                            <a:solidFill>
-                              <a:srgbClr val="000000"/>
-                            </a:solidFill>
-                            <a:miter lim="800000"/>
-                            <a:headEnd/>
-                            <a:tailEnd/>
-                          </a14:hiddenLine>
-                        </a:ext>
-                      </a:extLst>
-                    </p:spPr>
-                  </p:pic>
-                </p:oleObj>
-              </mc:Fallback>
-            </mc:AlternateContent>
-          </a:graphicData>
-        </a:graphic>
-      </p:graphicFrame>
-      <p:graphicFrame>
-        <p:nvGraphicFramePr>
-          <p:cNvPr id="5" name="Object 8"/>
-          <p:cNvGraphicFramePr>
-            <a:graphicFrameLocks noChangeAspect="1"/>
-          </p:cNvGraphicFramePr>
-          <p:nvPr>
-            <p:extLst>
-              <p:ext uri="{D42A27DB-BD31-4B8C-83A1-F6EECF244321}">
-                <p14:modId xmlns:p14="http://schemas.microsoft.com/office/powerpoint/2010/main" val="845380135"/>
-              </p:ext>
-            </p:extLst>
-          </p:nvPr>
-        </p:nvGraphicFramePr>
-        <p:xfrm>
-          <a:off x="1609146" y="3983688"/>
-          <a:ext cx="4480923" cy="1163782"/>
-        </p:xfrm>
-        <a:graphic>
-          <a:graphicData uri="http://schemas.openxmlformats.org/presentationml/2006/ole">
-            <mc:AlternateContent xmlns:mc="http://schemas.openxmlformats.org/markup-compatibility/2006">
-              <mc:Choice xmlns:v="urn:schemas-microsoft-com:vml" Requires="v">
-                <p:oleObj spid="_x0000_s3127" name="Equation" r:id="rId5" imgW="1955800" imgH="508000" progId="Equation.3">
-                  <p:embed/>
-                </p:oleObj>
-              </mc:Choice>
-              <mc:Fallback>
-                <p:oleObj name="Equation" r:id="rId5" imgW="1955800" imgH="508000" progId="Equation.3">
-                  <p:embed/>
-                  <p:pic>
-                    <p:nvPicPr>
-                      <p:cNvPr id="11270" name="Object 8"/>
-                      <p:cNvPicPr>
-                        <a:picLocks noChangeAspect="1" noChangeArrowheads="1"/>
-                      </p:cNvPicPr>
-                      <p:nvPr/>
-                    </p:nvPicPr>
-                    <p:blipFill>
-                      <a:blip r:embed="rId6">
-                        <a:extLst>
-                          <a:ext uri="{28A0092B-C50C-407E-A947-70E740481C1C}">
-                            <a14:useLocalDpi xmlns:a14="http://schemas.microsoft.com/office/drawing/2010/main" val="0"/>
-                          </a:ext>
-                        </a:extLst>
-                      </a:blip>
-                      <a:srcRect/>
-                      <a:stretch>
-                        <a:fillRect/>
-                      </a:stretch>
-                    </p:blipFill>
-                    <p:spPr bwMode="auto">
-                      <a:xfrm>
-                        <a:off x="1609146" y="3983688"/>
-                        <a:ext cx="4480923" cy="1163782"/>
-                      </a:xfrm>
-                      <a:prstGeom prst="rect">
-                        <a:avLst/>
-                      </a:prstGeom>
-                      <a:noFill/>
-                      <a:ln>
-                        <a:noFill/>
-                      </a:ln>
-                      <a:effectLst/>
-                      <a:extLst/>
-                    </p:spPr>
-                  </p:pic>
-                </p:oleObj>
-              </mc:Fallback>
-            </mc:AlternateContent>
-          </a:graphicData>
-        </a:graphic>
-      </p:graphicFrame>
+      <mc:AlternateContent xmlns:mc="http://schemas.openxmlformats.org/markup-compatibility/2006">
+        <mc:Choice xmlns:a14="http://schemas.microsoft.com/office/drawing/2010/main" Requires="a14">
+          <p:sp>
+            <p:nvSpPr>
+              <p:cNvPr id="4" name="Object 4"/>
+              <p:cNvSpPr txBox="1"/>
+              <p:nvPr/>
+            </p:nvSpPr>
+            <p:spPr bwMode="auto">
+              <a:xfrm>
+                <a:off x="842963" y="1609725"/>
+                <a:ext cx="6985000" cy="1206500"/>
+              </a:xfrm>
+              <a:prstGeom prst="rect">
+                <a:avLst/>
+              </a:prstGeom>
+              <a:noFill/>
+              <a:ln>
+                <a:noFill/>
+              </a:ln>
+              <a:extLst/>
+            </p:spPr>
+            <p:txBody>
+              <a:bodyPr>
+                <a:normAutofit/>
+              </a:bodyPr>
+              <a:lstStyle/>
+              <a:p>
+                <a:pPr/>
+                <a14:m>
+                  <m:oMathPara xmlns:m="http://schemas.openxmlformats.org/officeDocument/2006/math">
+                    <m:oMathParaPr>
+                      <m:jc m:val="centerGroup"/>
+                    </m:oMathParaPr>
+                    <m:oMath xmlns:m="http://schemas.openxmlformats.org/officeDocument/2006/math">
+                      <m:r>
+                        <a:rPr lang="ko-KR" altLang="en-US" i="1">
+                          <a:solidFill>
+                            <a:srgbClr val="000000"/>
+                          </a:solidFill>
+                          <a:latin typeface="Cambria Math" panose="02040503050406030204" pitchFamily="18" charset="0"/>
+                        </a:rPr>
+                        <m:t>−2</m:t>
+                      </m:r>
+                      <m:r>
+                        <a:rPr lang="ko-KR" altLang="en-US" i="1">
+                          <a:solidFill>
+                            <a:srgbClr val="000000"/>
+                          </a:solidFill>
+                          <a:latin typeface="Cambria Math" panose="02040503050406030204" pitchFamily="18" charset="0"/>
+                        </a:rPr>
+                        <m:t>𝐿</m:t>
+                      </m:r>
+                      <m:sSub>
+                        <m:sSubPr>
+                          <m:ctrlPr>
+                            <a:rPr lang="ko-KR" altLang="en-US" i="1">
+                              <a:solidFill>
+                                <a:srgbClr val="000000"/>
+                              </a:solidFill>
+                              <a:latin typeface="Cambria Math" panose="02040503050406030204" pitchFamily="18" charset="0"/>
+                            </a:rPr>
+                          </m:ctrlPr>
+                        </m:sSubPr>
+                        <m:e>
+                          <m:r>
+                            <a:rPr lang="ko-KR" altLang="en-US" i="1">
+                              <a:solidFill>
+                                <a:srgbClr val="000000"/>
+                              </a:solidFill>
+                              <a:latin typeface="Cambria Math" panose="02040503050406030204" pitchFamily="18" charset="0"/>
+                            </a:rPr>
+                            <m:t>𝐿</m:t>
+                          </m:r>
+                        </m:e>
+                        <m:sub>
+                          <m:r>
+                            <a:rPr lang="ko-KR" altLang="en-US" i="1">
+                              <a:solidFill>
+                                <a:srgbClr val="000000"/>
+                              </a:solidFill>
+                              <a:latin typeface="Cambria Math" panose="02040503050406030204" pitchFamily="18" charset="0"/>
+                            </a:rPr>
+                            <m:t>𝑖</m:t>
+                          </m:r>
+                        </m:sub>
+                      </m:sSub>
+                      <m:r>
+                        <a:rPr lang="ko-KR" altLang="en-US" i="1">
+                          <a:solidFill>
+                            <a:srgbClr val="000000"/>
+                          </a:solidFill>
+                          <a:latin typeface="Cambria Math" panose="02040503050406030204" pitchFamily="18" charset="0"/>
+                        </a:rPr>
+                        <m:t>=</m:t>
+                      </m:r>
+                      <m:sSub>
+                        <m:sSubPr>
+                          <m:ctrlPr>
+                            <a:rPr lang="ko-KR" altLang="en-US" i="1">
+                              <a:solidFill>
+                                <a:srgbClr val="000000"/>
+                              </a:solidFill>
+                              <a:latin typeface="Cambria Math" panose="02040503050406030204" pitchFamily="18" charset="0"/>
+                            </a:rPr>
+                          </m:ctrlPr>
+                        </m:sSubPr>
+                        <m:e>
+                          <m:r>
+                            <a:rPr lang="ko-KR" altLang="en-US" i="1">
+                              <a:solidFill>
+                                <a:srgbClr val="000000"/>
+                              </a:solidFill>
+                              <a:latin typeface="Cambria Math" panose="02040503050406030204" pitchFamily="18" charset="0"/>
+                            </a:rPr>
+                            <m:t>𝑛</m:t>
+                          </m:r>
+                        </m:e>
+                        <m:sub>
+                          <m:r>
+                            <a:rPr lang="ko-KR" altLang="en-US" i="1">
+                              <a:solidFill>
+                                <a:srgbClr val="000000"/>
+                              </a:solidFill>
+                              <a:latin typeface="Cambria Math" panose="02040503050406030204" pitchFamily="18" charset="0"/>
+                            </a:rPr>
+                            <m:t>𝑖</m:t>
+                          </m:r>
+                        </m:sub>
+                      </m:sSub>
+                      <m:func>
+                        <m:funcPr>
+                          <m:ctrlPr>
+                            <a:rPr lang="ko-KR" altLang="en-US" i="1">
+                              <a:solidFill>
+                                <a:srgbClr val="000000"/>
+                              </a:solidFill>
+                              <a:latin typeface="Cambria Math" panose="02040503050406030204" pitchFamily="18" charset="0"/>
+                            </a:rPr>
+                          </m:ctrlPr>
+                        </m:funcPr>
+                        <m:fName>
+                          <m:r>
+                            <m:rPr>
+                              <m:sty m:val="p"/>
+                            </m:rPr>
+                            <a:rPr lang="ko-KR" altLang="en-US" i="0">
+                              <a:solidFill>
+                                <a:srgbClr val="000000"/>
+                              </a:solidFill>
+                              <a:latin typeface="Cambria Math" panose="02040503050406030204" pitchFamily="18" charset="0"/>
+                            </a:rPr>
+                            <m:t>log</m:t>
+                          </m:r>
+                        </m:fName>
+                        <m:e>
+                          <m:r>
+                            <a:rPr lang="ko-KR" altLang="en-US" i="1">
+                              <a:solidFill>
+                                <a:srgbClr val="000000"/>
+                              </a:solidFill>
+                              <a:latin typeface="Cambria Math" panose="02040503050406030204" pitchFamily="18" charset="0"/>
+                            </a:rPr>
+                            <m:t>(</m:t>
+                          </m:r>
+                        </m:e>
+                      </m:func>
+                      <m:r>
+                        <a:rPr lang="ko-KR" altLang="en-US" i="1">
+                          <a:solidFill>
+                            <a:srgbClr val="000000"/>
+                          </a:solidFill>
+                          <a:latin typeface="Cambria Math" panose="02040503050406030204" pitchFamily="18" charset="0"/>
+                        </a:rPr>
+                        <m:t>2</m:t>
+                      </m:r>
+                      <m:r>
+                        <a:rPr lang="ko-KR" altLang="en-US" i="1">
+                          <a:solidFill>
+                            <a:srgbClr val="000000"/>
+                          </a:solidFill>
+                          <a:latin typeface="Cambria Math" panose="02040503050406030204" pitchFamily="18" charset="0"/>
+                        </a:rPr>
+                        <m:t>𝜋</m:t>
+                      </m:r>
+                      <m:r>
+                        <a:rPr lang="ko-KR" altLang="en-US" i="1">
+                          <a:solidFill>
+                            <a:srgbClr val="000000"/>
+                          </a:solidFill>
+                          <a:latin typeface="Cambria Math" panose="02040503050406030204" pitchFamily="18" charset="0"/>
+                        </a:rPr>
+                        <m:t>)+</m:t>
+                      </m:r>
+                      <m:nary>
+                        <m:naryPr>
+                          <m:chr m:val="∑"/>
+                          <m:ctrlPr>
+                            <a:rPr lang="ko-KR" altLang="en-US" i="1">
+                              <a:solidFill>
+                                <a:srgbClr val="000000"/>
+                              </a:solidFill>
+                              <a:latin typeface="Cambria Math" panose="02040503050406030204" pitchFamily="18" charset="0"/>
+                            </a:rPr>
+                          </m:ctrlPr>
+                        </m:naryPr>
+                        <m:sub>
+                          <m:r>
+                            <a:rPr lang="ko-KR" altLang="en-US" i="1">
+                              <a:solidFill>
+                                <a:srgbClr val="000000"/>
+                              </a:solidFill>
+                              <a:latin typeface="Cambria Math" panose="02040503050406030204" pitchFamily="18" charset="0"/>
+                            </a:rPr>
+                            <m:t>𝑗</m:t>
+                          </m:r>
+                          <m:r>
+                            <a:rPr lang="ko-KR" altLang="en-US" i="1">
+                              <a:solidFill>
+                                <a:srgbClr val="000000"/>
+                              </a:solidFill>
+                              <a:latin typeface="Cambria Math" panose="02040503050406030204" pitchFamily="18" charset="0"/>
+                            </a:rPr>
+                            <m:t>=1</m:t>
+                          </m:r>
+                        </m:sub>
+                        <m:sup>
+                          <m:sSub>
+                            <m:sSubPr>
+                              <m:ctrlPr>
+                                <a:rPr lang="ko-KR" altLang="en-US" i="1">
+                                  <a:solidFill>
+                                    <a:srgbClr val="000000"/>
+                                  </a:solidFill>
+                                  <a:latin typeface="Cambria Math" panose="02040503050406030204" pitchFamily="18" charset="0"/>
+                                </a:rPr>
+                              </m:ctrlPr>
+                            </m:sSubPr>
+                            <m:e>
+                              <m:r>
+                                <a:rPr lang="ko-KR" altLang="en-US" i="1">
+                                  <a:solidFill>
+                                    <a:srgbClr val="000000"/>
+                                  </a:solidFill>
+                                  <a:latin typeface="Cambria Math" panose="02040503050406030204" pitchFamily="18" charset="0"/>
+                                </a:rPr>
+                                <m:t>𝑛</m:t>
+                              </m:r>
+                            </m:e>
+                            <m:sub>
+                              <m:r>
+                                <a:rPr lang="ko-KR" altLang="en-US" i="1">
+                                  <a:solidFill>
+                                    <a:srgbClr val="000000"/>
+                                  </a:solidFill>
+                                  <a:latin typeface="Cambria Math" panose="02040503050406030204" pitchFamily="18" charset="0"/>
+                                </a:rPr>
+                                <m:t>𝑖</m:t>
+                              </m:r>
+                            </m:sub>
+                          </m:sSub>
+                        </m:sup>
+                        <m:e>
+                          <m:func>
+                            <m:funcPr>
+                              <m:ctrlPr>
+                                <a:rPr lang="ko-KR" altLang="en-US" i="1">
+                                  <a:solidFill>
+                                    <a:srgbClr val="000000"/>
+                                  </a:solidFill>
+                                  <a:latin typeface="Cambria Math" panose="02040503050406030204" pitchFamily="18" charset="0"/>
+                                </a:rPr>
+                              </m:ctrlPr>
+                            </m:funcPr>
+                            <m:fName>
+                              <m:r>
+                                <m:rPr>
+                                  <m:sty m:val="p"/>
+                                </m:rPr>
+                                <a:rPr lang="ko-KR" altLang="en-US" i="0">
+                                  <a:solidFill>
+                                    <a:srgbClr val="000000"/>
+                                  </a:solidFill>
+                                  <a:latin typeface="Cambria Math" panose="02040503050406030204" pitchFamily="18" charset="0"/>
+                                </a:rPr>
+                                <m:t>log</m:t>
+                              </m:r>
+                            </m:fName>
+                            <m:e>
+                              <m:d>
+                                <m:dPr>
+                                  <m:ctrlPr>
+                                    <a:rPr lang="ko-KR" altLang="en-US" i="1">
+                                      <a:solidFill>
+                                        <a:srgbClr val="000000"/>
+                                      </a:solidFill>
+                                      <a:latin typeface="Cambria Math" panose="02040503050406030204" pitchFamily="18" charset="0"/>
+                                    </a:rPr>
+                                  </m:ctrlPr>
+                                </m:dPr>
+                                <m:e>
+                                  <m:sSup>
+                                    <m:sSupPr>
+                                      <m:ctrlPr>
+                                        <a:rPr lang="ko-KR" altLang="en-US" i="1">
+                                          <a:solidFill>
+                                            <a:srgbClr val="000000"/>
+                                          </a:solidFill>
+                                          <a:latin typeface="Cambria Math" panose="02040503050406030204" pitchFamily="18" charset="0"/>
+                                        </a:rPr>
+                                      </m:ctrlPr>
+                                    </m:sSupPr>
+                                    <m:e>
+                                      <m:sSub>
+                                        <m:sSubPr>
+                                          <m:ctrlPr>
+                                            <a:rPr lang="ko-KR" altLang="en-US" i="1">
+                                              <a:solidFill>
+                                                <a:srgbClr val="000000"/>
+                                              </a:solidFill>
+                                              <a:latin typeface="Cambria Math" panose="02040503050406030204" pitchFamily="18" charset="0"/>
+                                            </a:rPr>
+                                          </m:ctrlPr>
+                                        </m:sSubPr>
+                                        <m:e>
+                                          <m:r>
+                                            <a:rPr lang="ko-KR" altLang="en-US" i="1">
+                                              <a:solidFill>
+                                                <a:srgbClr val="000000"/>
+                                              </a:solidFill>
+                                              <a:latin typeface="Cambria Math" panose="02040503050406030204" pitchFamily="18" charset="0"/>
+                                            </a:rPr>
+                                            <m:t>𝜎</m:t>
+                                          </m:r>
+                                        </m:e>
+                                        <m:sub>
+                                          <m:r>
+                                            <a:rPr lang="ko-KR" altLang="en-US" i="1">
+                                              <a:solidFill>
+                                                <a:srgbClr val="000000"/>
+                                              </a:solidFill>
+                                              <a:latin typeface="Cambria Math" panose="02040503050406030204" pitchFamily="18" charset="0"/>
+                                            </a:rPr>
+                                            <m:t>𝑖𝑗</m:t>
+                                          </m:r>
+                                        </m:sub>
+                                      </m:sSub>
+                                    </m:e>
+                                    <m:sup>
+                                      <m:r>
+                                        <a:rPr lang="ko-KR" altLang="en-US" i="1">
+                                          <a:solidFill>
+                                            <a:srgbClr val="000000"/>
+                                          </a:solidFill>
+                                          <a:latin typeface="Cambria Math" panose="02040503050406030204" pitchFamily="18" charset="0"/>
+                                        </a:rPr>
+                                        <m:t>2</m:t>
+                                      </m:r>
+                                    </m:sup>
+                                  </m:sSup>
+                                </m:e>
+                              </m:d>
+                            </m:e>
+                          </m:func>
+                        </m:e>
+                      </m:nary>
+                      <m:r>
+                        <a:rPr lang="ko-KR" altLang="en-US" i="1">
+                          <a:solidFill>
+                            <a:srgbClr val="000000"/>
+                          </a:solidFill>
+                          <a:latin typeface="Cambria Math" panose="02040503050406030204" pitchFamily="18" charset="0"/>
+                        </a:rPr>
+                        <m:t>+</m:t>
+                      </m:r>
+                      <m:nary>
+                        <m:naryPr>
+                          <m:chr m:val="∑"/>
+                          <m:ctrlPr>
+                            <a:rPr lang="ko-KR" altLang="en-US" i="1">
+                              <a:solidFill>
+                                <a:srgbClr val="000000"/>
+                              </a:solidFill>
+                              <a:latin typeface="Cambria Math" panose="02040503050406030204" pitchFamily="18" charset="0"/>
+                            </a:rPr>
+                          </m:ctrlPr>
+                        </m:naryPr>
+                        <m:sub>
+                          <m:r>
+                            <a:rPr lang="ko-KR" altLang="en-US" i="1">
+                              <a:solidFill>
+                                <a:srgbClr val="000000"/>
+                              </a:solidFill>
+                              <a:latin typeface="Cambria Math" panose="02040503050406030204" pitchFamily="18" charset="0"/>
+                            </a:rPr>
+                            <m:t>𝑗</m:t>
+                          </m:r>
+                          <m:r>
+                            <a:rPr lang="ko-KR" altLang="en-US" i="1">
+                              <a:solidFill>
+                                <a:srgbClr val="000000"/>
+                              </a:solidFill>
+                              <a:latin typeface="Cambria Math" panose="02040503050406030204" pitchFamily="18" charset="0"/>
+                            </a:rPr>
+                            <m:t>=1</m:t>
+                          </m:r>
+                        </m:sub>
+                        <m:sup>
+                          <m:sSub>
+                            <m:sSubPr>
+                              <m:ctrlPr>
+                                <a:rPr lang="ko-KR" altLang="en-US" i="1">
+                                  <a:solidFill>
+                                    <a:srgbClr val="000000"/>
+                                  </a:solidFill>
+                                  <a:latin typeface="Cambria Math" panose="02040503050406030204" pitchFamily="18" charset="0"/>
+                                </a:rPr>
+                              </m:ctrlPr>
+                            </m:sSubPr>
+                            <m:e>
+                              <m:r>
+                                <a:rPr lang="ko-KR" altLang="en-US" i="1">
+                                  <a:solidFill>
+                                    <a:srgbClr val="000000"/>
+                                  </a:solidFill>
+                                  <a:latin typeface="Cambria Math" panose="02040503050406030204" pitchFamily="18" charset="0"/>
+                                </a:rPr>
+                                <m:t>𝑛</m:t>
+                              </m:r>
+                            </m:e>
+                            <m:sub>
+                              <m:r>
+                                <a:rPr lang="ko-KR" altLang="en-US" i="1">
+                                  <a:solidFill>
+                                    <a:srgbClr val="000000"/>
+                                  </a:solidFill>
+                                  <a:latin typeface="Cambria Math" panose="02040503050406030204" pitchFamily="18" charset="0"/>
+                                </a:rPr>
+                                <m:t>𝑖</m:t>
+                              </m:r>
+                            </m:sub>
+                          </m:sSub>
+                        </m:sup>
+                        <m:e>
+                          <m:f>
+                            <m:fPr>
+                              <m:ctrlPr>
+                                <a:rPr lang="ko-KR" altLang="en-US" i="1">
+                                  <a:solidFill>
+                                    <a:srgbClr val="000000"/>
+                                  </a:solidFill>
+                                  <a:latin typeface="Cambria Math" panose="02040503050406030204" pitchFamily="18" charset="0"/>
+                                </a:rPr>
+                              </m:ctrlPr>
+                            </m:fPr>
+                            <m:num>
+                              <m:sSup>
+                                <m:sSupPr>
+                                  <m:ctrlPr>
+                                    <a:rPr lang="ko-KR" altLang="en-US" i="1">
+                                      <a:solidFill>
+                                        <a:srgbClr val="000000"/>
+                                      </a:solidFill>
+                                      <a:latin typeface="Cambria Math" panose="02040503050406030204" pitchFamily="18" charset="0"/>
+                                    </a:rPr>
+                                  </m:ctrlPr>
+                                </m:sSupPr>
+                                <m:e>
+                                  <m:d>
+                                    <m:dPr>
+                                      <m:ctrlPr>
+                                        <a:rPr lang="ko-KR" altLang="en-US" i="1">
+                                          <a:solidFill>
+                                            <a:srgbClr val="000000"/>
+                                          </a:solidFill>
+                                          <a:latin typeface="Cambria Math" panose="02040503050406030204" pitchFamily="18" charset="0"/>
+                                        </a:rPr>
+                                      </m:ctrlPr>
+                                    </m:dPr>
+                                    <m:e>
+                                      <m:sSub>
+                                        <m:sSubPr>
+                                          <m:ctrlPr>
+                                            <a:rPr lang="ko-KR" altLang="en-US" i="1">
+                                              <a:solidFill>
+                                                <a:srgbClr val="000000"/>
+                                              </a:solidFill>
+                                              <a:latin typeface="Cambria Math" panose="02040503050406030204" pitchFamily="18" charset="0"/>
+                                            </a:rPr>
+                                          </m:ctrlPr>
+                                        </m:sSubPr>
+                                        <m:e>
+                                          <m:r>
+                                            <a:rPr lang="ko-KR" altLang="en-US" i="1">
+                                              <a:solidFill>
+                                                <a:srgbClr val="000000"/>
+                                              </a:solidFill>
+                                              <a:latin typeface="Cambria Math" panose="02040503050406030204" pitchFamily="18" charset="0"/>
+                                            </a:rPr>
+                                            <m:t>𝑦</m:t>
+                                          </m:r>
+                                        </m:e>
+                                        <m:sub>
+                                          <m:r>
+                                            <a:rPr lang="ko-KR" altLang="en-US" i="1">
+                                              <a:solidFill>
+                                                <a:srgbClr val="000000"/>
+                                              </a:solidFill>
+                                              <a:latin typeface="Cambria Math" panose="02040503050406030204" pitchFamily="18" charset="0"/>
+                                            </a:rPr>
+                                            <m:t>𝑖𝑗</m:t>
+                                          </m:r>
+                                        </m:sub>
+                                      </m:sSub>
+                                      <m:r>
+                                        <a:rPr lang="ko-KR" altLang="en-US" i="1">
+                                          <a:solidFill>
+                                            <a:srgbClr val="000000"/>
+                                          </a:solidFill>
+                                          <a:latin typeface="Cambria Math" panose="02040503050406030204" pitchFamily="18" charset="0"/>
+                                        </a:rPr>
+                                        <m:t>−</m:t>
+                                      </m:r>
+                                      <m:sSub>
+                                        <m:sSubPr>
+                                          <m:ctrlPr>
+                                            <a:rPr lang="ko-KR" altLang="en-US" i="1">
+                                              <a:solidFill>
+                                                <a:srgbClr val="000000"/>
+                                              </a:solidFill>
+                                              <a:latin typeface="Cambria Math" panose="02040503050406030204" pitchFamily="18" charset="0"/>
+                                            </a:rPr>
+                                          </m:ctrlPr>
+                                        </m:sSubPr>
+                                        <m:e>
+                                          <m:r>
+                                            <a:rPr lang="ko-KR" altLang="en-US" i="1">
+                                              <a:solidFill>
+                                                <a:srgbClr val="000000"/>
+                                              </a:solidFill>
+                                              <a:latin typeface="Cambria Math" panose="02040503050406030204" pitchFamily="18" charset="0"/>
+                                            </a:rPr>
+                                            <m:t>𝜇</m:t>
+                                          </m:r>
+                                        </m:e>
+                                        <m:sub>
+                                          <m:r>
+                                            <a:rPr lang="ko-KR" altLang="en-US" i="1">
+                                              <a:solidFill>
+                                                <a:srgbClr val="000000"/>
+                                              </a:solidFill>
+                                              <a:latin typeface="Cambria Math" panose="02040503050406030204" pitchFamily="18" charset="0"/>
+                                            </a:rPr>
+                                            <m:t>𝑖𝑗</m:t>
+                                          </m:r>
+                                        </m:sub>
+                                      </m:sSub>
+                                    </m:e>
+                                  </m:d>
+                                </m:e>
+                                <m:sup>
+                                  <m:r>
+                                    <a:rPr lang="ko-KR" altLang="en-US" i="1">
+                                      <a:solidFill>
+                                        <a:srgbClr val="000000"/>
+                                      </a:solidFill>
+                                      <a:latin typeface="Cambria Math" panose="02040503050406030204" pitchFamily="18" charset="0"/>
+                                    </a:rPr>
+                                    <m:t>2</m:t>
+                                  </m:r>
+                                </m:sup>
+                              </m:sSup>
+                            </m:num>
+                            <m:den>
+                              <m:sSup>
+                                <m:sSupPr>
+                                  <m:ctrlPr>
+                                    <a:rPr lang="ko-KR" altLang="en-US" i="1">
+                                      <a:solidFill>
+                                        <a:srgbClr val="000000"/>
+                                      </a:solidFill>
+                                      <a:latin typeface="Cambria Math" panose="02040503050406030204" pitchFamily="18" charset="0"/>
+                                    </a:rPr>
+                                  </m:ctrlPr>
+                                </m:sSupPr>
+                                <m:e>
+                                  <m:sSub>
+                                    <m:sSubPr>
+                                      <m:ctrlPr>
+                                        <a:rPr lang="ko-KR" altLang="en-US" i="1">
+                                          <a:solidFill>
+                                            <a:srgbClr val="000000"/>
+                                          </a:solidFill>
+                                          <a:latin typeface="Cambria Math" panose="02040503050406030204" pitchFamily="18" charset="0"/>
+                                        </a:rPr>
+                                      </m:ctrlPr>
+                                    </m:sSubPr>
+                                    <m:e>
+                                      <m:r>
+                                        <a:rPr lang="ko-KR" altLang="en-US" i="1">
+                                          <a:solidFill>
+                                            <a:srgbClr val="000000"/>
+                                          </a:solidFill>
+                                          <a:latin typeface="Cambria Math" panose="02040503050406030204" pitchFamily="18" charset="0"/>
+                                        </a:rPr>
+                                        <m:t>𝜎</m:t>
+                                      </m:r>
+                                    </m:e>
+                                    <m:sub>
+                                      <m:r>
+                                        <a:rPr lang="ko-KR" altLang="en-US" i="1">
+                                          <a:solidFill>
+                                            <a:srgbClr val="000000"/>
+                                          </a:solidFill>
+                                          <a:latin typeface="Cambria Math" panose="02040503050406030204" pitchFamily="18" charset="0"/>
+                                        </a:rPr>
+                                        <m:t>𝑖𝑗</m:t>
+                                      </m:r>
+                                    </m:sub>
+                                  </m:sSub>
+                                </m:e>
+                                <m:sup>
+                                  <m:r>
+                                    <a:rPr lang="ko-KR" altLang="en-US" i="1">
+                                      <a:solidFill>
+                                        <a:srgbClr val="000000"/>
+                                      </a:solidFill>
+                                      <a:latin typeface="Cambria Math" panose="02040503050406030204" pitchFamily="18" charset="0"/>
+                                    </a:rPr>
+                                    <m:t>2</m:t>
+                                  </m:r>
+                                </m:sup>
+                              </m:sSup>
+                            </m:den>
+                          </m:f>
+                        </m:e>
+                      </m:nary>
+                    </m:oMath>
+                  </m:oMathPara>
+                </a14:m>
+                <a:endParaRPr lang="ko-KR" altLang="en-US"/>
+              </a:p>
+            </p:txBody>
+          </p:sp>
+        </mc:Choice>
+        <mc:Fallback>
+          <p:sp>
+            <p:nvSpPr>
+              <p:cNvPr id="4" name="Object 4"/>
+              <p:cNvSpPr txBox="1">
+                <a:spLocks noRot="1" noChangeAspect="1" noMove="1" noResize="1" noEditPoints="1" noAdjustHandles="1" noChangeArrowheads="1" noChangeShapeType="1" noTextEdit="1"/>
+              </p:cNvSpPr>
+              <p:nvPr/>
+            </p:nvSpPr>
+            <p:spPr bwMode="auto">
+              <a:xfrm>
+                <a:off x="842963" y="1609725"/>
+                <a:ext cx="6985000" cy="1206500"/>
+              </a:xfrm>
+              <a:prstGeom prst="rect">
+                <a:avLst/>
+              </a:prstGeom>
+              <a:blipFill>
+                <a:blip r:embed="rId2"/>
+                <a:stretch>
+                  <a:fillRect/>
+                </a:stretch>
+              </a:blipFill>
+              <a:ln>
+                <a:noFill/>
+              </a:ln>
+              <a:extLst/>
+            </p:spPr>
+            <p:txBody>
+              <a:bodyPr/>
+              <a:lstStyle/>
+              <a:p>
+                <a:r>
+                  <a:rPr lang="ko-KR" altLang="en-US">
+                    <a:noFill/>
+                  </a:rPr>
+                  <a:t> </a:t>
+                </a:r>
+              </a:p>
+            </p:txBody>
+          </p:sp>
+        </mc:Fallback>
+      </mc:AlternateContent>
+      <mc:AlternateContent xmlns:mc="http://schemas.openxmlformats.org/markup-compatibility/2006">
+        <mc:Choice xmlns:a14="http://schemas.microsoft.com/office/drawing/2010/main" Requires="a14">
+          <p:sp>
+            <p:nvSpPr>
+              <p:cNvPr id="5" name="Object 8"/>
+              <p:cNvSpPr txBox="1"/>
+              <p:nvPr/>
+            </p:nvSpPr>
+            <p:spPr bwMode="auto">
+              <a:xfrm>
+                <a:off x="1609725" y="3983038"/>
+                <a:ext cx="4479925" cy="1165225"/>
+              </a:xfrm>
+              <a:prstGeom prst="rect">
+                <a:avLst/>
+              </a:prstGeom>
+              <a:noFill/>
+              <a:ln>
+                <a:noFill/>
+              </a:ln>
+              <a:effectLst/>
+              <a:extLst/>
+            </p:spPr>
+            <p:txBody>
+              <a:bodyPr>
+                <a:normAutofit/>
+              </a:bodyPr>
+              <a:lstStyle/>
+              <a:p>
+                <a:pPr/>
+                <a14:m>
+                  <m:oMathPara xmlns:m="http://schemas.openxmlformats.org/officeDocument/2006/math">
+                    <m:oMathParaPr>
+                      <m:jc m:val="centerGroup"/>
+                    </m:oMathParaPr>
+                    <m:oMath xmlns:m="http://schemas.openxmlformats.org/officeDocument/2006/math">
+                      <m:sSub>
+                        <m:sSubPr>
+                          <m:ctrlPr>
+                            <a:rPr lang="ko-KR" altLang="en-US" i="1">
+                              <a:solidFill>
+                                <a:srgbClr val="000000"/>
+                              </a:solidFill>
+                              <a:latin typeface="Cambria Math" panose="02040503050406030204" pitchFamily="18" charset="0"/>
+                            </a:rPr>
+                          </m:ctrlPr>
+                        </m:sSubPr>
+                        <m:e>
+                          <m:r>
+                            <a:rPr lang="ko-KR" altLang="en-US" i="1">
+                              <a:solidFill>
+                                <a:srgbClr val="000000"/>
+                              </a:solidFill>
+                              <a:latin typeface="Cambria Math" panose="02040503050406030204" pitchFamily="18" charset="0"/>
+                            </a:rPr>
+                            <m:t>𝑂</m:t>
+                          </m:r>
+                        </m:e>
+                        <m:sub>
+                          <m:r>
+                            <a:rPr lang="ko-KR" altLang="en-US" i="1">
+                              <a:solidFill>
+                                <a:srgbClr val="000000"/>
+                              </a:solidFill>
+                              <a:latin typeface="Cambria Math" panose="02040503050406030204" pitchFamily="18" charset="0"/>
+                            </a:rPr>
+                            <m:t>𝑖</m:t>
+                          </m:r>
+                        </m:sub>
+                      </m:sSub>
+                      <m:r>
+                        <a:rPr lang="ko-KR" altLang="en-US" i="1">
+                          <a:solidFill>
+                            <a:srgbClr val="000000"/>
+                          </a:solidFill>
+                          <a:latin typeface="Cambria Math" panose="02040503050406030204" pitchFamily="18" charset="0"/>
+                        </a:rPr>
+                        <m:t>=</m:t>
+                      </m:r>
+                      <m:nary>
+                        <m:naryPr>
+                          <m:chr m:val="∑"/>
+                          <m:ctrlPr>
+                            <a:rPr lang="ko-KR" altLang="en-US" i="1">
+                              <a:solidFill>
+                                <a:srgbClr val="000000"/>
+                              </a:solidFill>
+                              <a:latin typeface="Cambria Math" panose="02040503050406030204" pitchFamily="18" charset="0"/>
+                            </a:rPr>
+                          </m:ctrlPr>
+                        </m:naryPr>
+                        <m:sub>
+                          <m:r>
+                            <a:rPr lang="ko-KR" altLang="en-US" i="1">
+                              <a:solidFill>
+                                <a:srgbClr val="000000"/>
+                              </a:solidFill>
+                              <a:latin typeface="Cambria Math" panose="02040503050406030204" pitchFamily="18" charset="0"/>
+                            </a:rPr>
+                            <m:t>𝑗</m:t>
+                          </m:r>
+                          <m:r>
+                            <a:rPr lang="ko-KR" altLang="en-US" i="1">
+                              <a:solidFill>
+                                <a:srgbClr val="000000"/>
+                              </a:solidFill>
+                              <a:latin typeface="Cambria Math" panose="02040503050406030204" pitchFamily="18" charset="0"/>
+                            </a:rPr>
+                            <m:t>=1</m:t>
+                          </m:r>
+                        </m:sub>
+                        <m:sup>
+                          <m:sSub>
+                            <m:sSubPr>
+                              <m:ctrlPr>
+                                <a:rPr lang="ko-KR" altLang="en-US" i="1">
+                                  <a:solidFill>
+                                    <a:srgbClr val="000000"/>
+                                  </a:solidFill>
+                                  <a:latin typeface="Cambria Math" panose="02040503050406030204" pitchFamily="18" charset="0"/>
+                                </a:rPr>
+                              </m:ctrlPr>
+                            </m:sSubPr>
+                            <m:e>
+                              <m:r>
+                                <a:rPr lang="ko-KR" altLang="en-US" i="1">
+                                  <a:solidFill>
+                                    <a:srgbClr val="000000"/>
+                                  </a:solidFill>
+                                  <a:latin typeface="Cambria Math" panose="02040503050406030204" pitchFamily="18" charset="0"/>
+                                </a:rPr>
+                                <m:t>𝑛</m:t>
+                              </m:r>
+                            </m:e>
+                            <m:sub>
+                              <m:r>
+                                <a:rPr lang="ko-KR" altLang="en-US" i="1">
+                                  <a:solidFill>
+                                    <a:srgbClr val="000000"/>
+                                  </a:solidFill>
+                                  <a:latin typeface="Cambria Math" panose="02040503050406030204" pitchFamily="18" charset="0"/>
+                                </a:rPr>
+                                <m:t>𝑖</m:t>
+                              </m:r>
+                            </m:sub>
+                          </m:sSub>
+                        </m:sup>
+                        <m:e>
+                          <m:func>
+                            <m:funcPr>
+                              <m:ctrlPr>
+                                <a:rPr lang="ko-KR" altLang="en-US" i="1">
+                                  <a:solidFill>
+                                    <a:srgbClr val="000000"/>
+                                  </a:solidFill>
+                                  <a:latin typeface="Cambria Math" panose="02040503050406030204" pitchFamily="18" charset="0"/>
+                                </a:rPr>
+                              </m:ctrlPr>
+                            </m:funcPr>
+                            <m:fName>
+                              <m:r>
+                                <m:rPr>
+                                  <m:sty m:val="p"/>
+                                </m:rPr>
+                                <a:rPr lang="ko-KR" altLang="en-US" i="0">
+                                  <a:solidFill>
+                                    <a:srgbClr val="000000"/>
+                                  </a:solidFill>
+                                  <a:latin typeface="Cambria Math" panose="02040503050406030204" pitchFamily="18" charset="0"/>
+                                </a:rPr>
+                                <m:t>log</m:t>
+                              </m:r>
+                            </m:fName>
+                            <m:e>
+                              <m:d>
+                                <m:dPr>
+                                  <m:ctrlPr>
+                                    <a:rPr lang="ko-KR" altLang="en-US" i="1">
+                                      <a:solidFill>
+                                        <a:srgbClr val="000000"/>
+                                      </a:solidFill>
+                                      <a:latin typeface="Cambria Math" panose="02040503050406030204" pitchFamily="18" charset="0"/>
+                                    </a:rPr>
+                                  </m:ctrlPr>
+                                </m:dPr>
+                                <m:e>
+                                  <m:sSup>
+                                    <m:sSupPr>
+                                      <m:ctrlPr>
+                                        <a:rPr lang="ko-KR" altLang="en-US" i="1">
+                                          <a:solidFill>
+                                            <a:srgbClr val="000000"/>
+                                          </a:solidFill>
+                                          <a:latin typeface="Cambria Math" panose="02040503050406030204" pitchFamily="18" charset="0"/>
+                                        </a:rPr>
+                                      </m:ctrlPr>
+                                    </m:sSupPr>
+                                    <m:e>
+                                      <m:sSub>
+                                        <m:sSubPr>
+                                          <m:ctrlPr>
+                                            <a:rPr lang="ko-KR" altLang="en-US" i="1">
+                                              <a:solidFill>
+                                                <a:srgbClr val="000000"/>
+                                              </a:solidFill>
+                                              <a:latin typeface="Cambria Math" panose="02040503050406030204" pitchFamily="18" charset="0"/>
+                                            </a:rPr>
+                                          </m:ctrlPr>
+                                        </m:sSubPr>
+                                        <m:e>
+                                          <m:r>
+                                            <a:rPr lang="ko-KR" altLang="en-US" i="1">
+                                              <a:solidFill>
+                                                <a:srgbClr val="000000"/>
+                                              </a:solidFill>
+                                              <a:latin typeface="Cambria Math" panose="02040503050406030204" pitchFamily="18" charset="0"/>
+                                            </a:rPr>
+                                            <m:t>𝜎</m:t>
+                                          </m:r>
+                                        </m:e>
+                                        <m:sub>
+                                          <m:r>
+                                            <a:rPr lang="ko-KR" altLang="en-US" i="1">
+                                              <a:solidFill>
+                                                <a:srgbClr val="000000"/>
+                                              </a:solidFill>
+                                              <a:latin typeface="Cambria Math" panose="02040503050406030204" pitchFamily="18" charset="0"/>
+                                            </a:rPr>
+                                            <m:t>𝑖𝑗</m:t>
+                                          </m:r>
+                                        </m:sub>
+                                      </m:sSub>
+                                    </m:e>
+                                    <m:sup>
+                                      <m:r>
+                                        <a:rPr lang="ko-KR" altLang="en-US" i="1">
+                                          <a:solidFill>
+                                            <a:srgbClr val="000000"/>
+                                          </a:solidFill>
+                                          <a:latin typeface="Cambria Math" panose="02040503050406030204" pitchFamily="18" charset="0"/>
+                                        </a:rPr>
+                                        <m:t>2</m:t>
+                                      </m:r>
+                                    </m:sup>
+                                  </m:sSup>
+                                </m:e>
+                              </m:d>
+                            </m:e>
+                          </m:func>
+                        </m:e>
+                      </m:nary>
+                      <m:r>
+                        <a:rPr lang="ko-KR" altLang="en-US" i="1">
+                          <a:solidFill>
+                            <a:srgbClr val="000000"/>
+                          </a:solidFill>
+                          <a:latin typeface="Cambria Math" panose="02040503050406030204" pitchFamily="18" charset="0"/>
+                        </a:rPr>
+                        <m:t>+</m:t>
+                      </m:r>
+                      <m:nary>
+                        <m:naryPr>
+                          <m:chr m:val="∑"/>
+                          <m:ctrlPr>
+                            <a:rPr lang="ko-KR" altLang="en-US" i="1">
+                              <a:solidFill>
+                                <a:srgbClr val="000000"/>
+                              </a:solidFill>
+                              <a:latin typeface="Cambria Math" panose="02040503050406030204" pitchFamily="18" charset="0"/>
+                            </a:rPr>
+                          </m:ctrlPr>
+                        </m:naryPr>
+                        <m:sub>
+                          <m:r>
+                            <a:rPr lang="ko-KR" altLang="en-US" i="1">
+                              <a:solidFill>
+                                <a:srgbClr val="000000"/>
+                              </a:solidFill>
+                              <a:latin typeface="Cambria Math" panose="02040503050406030204" pitchFamily="18" charset="0"/>
+                            </a:rPr>
+                            <m:t>𝑗</m:t>
+                          </m:r>
+                          <m:r>
+                            <a:rPr lang="ko-KR" altLang="en-US" i="1">
+                              <a:solidFill>
+                                <a:srgbClr val="000000"/>
+                              </a:solidFill>
+                              <a:latin typeface="Cambria Math" panose="02040503050406030204" pitchFamily="18" charset="0"/>
+                            </a:rPr>
+                            <m:t>=1</m:t>
+                          </m:r>
+                        </m:sub>
+                        <m:sup>
+                          <m:sSub>
+                            <m:sSubPr>
+                              <m:ctrlPr>
+                                <a:rPr lang="ko-KR" altLang="en-US" i="1">
+                                  <a:solidFill>
+                                    <a:srgbClr val="000000"/>
+                                  </a:solidFill>
+                                  <a:latin typeface="Cambria Math" panose="02040503050406030204" pitchFamily="18" charset="0"/>
+                                </a:rPr>
+                              </m:ctrlPr>
+                            </m:sSubPr>
+                            <m:e>
+                              <m:r>
+                                <a:rPr lang="ko-KR" altLang="en-US" i="1">
+                                  <a:solidFill>
+                                    <a:srgbClr val="000000"/>
+                                  </a:solidFill>
+                                  <a:latin typeface="Cambria Math" panose="02040503050406030204" pitchFamily="18" charset="0"/>
+                                </a:rPr>
+                                <m:t>𝑛</m:t>
+                              </m:r>
+                            </m:e>
+                            <m:sub>
+                              <m:r>
+                                <a:rPr lang="ko-KR" altLang="en-US" i="1">
+                                  <a:solidFill>
+                                    <a:srgbClr val="000000"/>
+                                  </a:solidFill>
+                                  <a:latin typeface="Cambria Math" panose="02040503050406030204" pitchFamily="18" charset="0"/>
+                                </a:rPr>
+                                <m:t>𝑖</m:t>
+                              </m:r>
+                            </m:sub>
+                          </m:sSub>
+                        </m:sup>
+                        <m:e>
+                          <m:f>
+                            <m:fPr>
+                              <m:ctrlPr>
+                                <a:rPr lang="ko-KR" altLang="en-US" i="1">
+                                  <a:solidFill>
+                                    <a:srgbClr val="000000"/>
+                                  </a:solidFill>
+                                  <a:latin typeface="Cambria Math" panose="02040503050406030204" pitchFamily="18" charset="0"/>
+                                </a:rPr>
+                              </m:ctrlPr>
+                            </m:fPr>
+                            <m:num>
+                              <m:sSup>
+                                <m:sSupPr>
+                                  <m:ctrlPr>
+                                    <a:rPr lang="ko-KR" altLang="en-US" i="1">
+                                      <a:solidFill>
+                                        <a:srgbClr val="000000"/>
+                                      </a:solidFill>
+                                      <a:latin typeface="Cambria Math" panose="02040503050406030204" pitchFamily="18" charset="0"/>
+                                    </a:rPr>
+                                  </m:ctrlPr>
+                                </m:sSupPr>
+                                <m:e>
+                                  <m:d>
+                                    <m:dPr>
+                                      <m:ctrlPr>
+                                        <a:rPr lang="ko-KR" altLang="en-US" i="1">
+                                          <a:solidFill>
+                                            <a:srgbClr val="000000"/>
+                                          </a:solidFill>
+                                          <a:latin typeface="Cambria Math" panose="02040503050406030204" pitchFamily="18" charset="0"/>
+                                        </a:rPr>
+                                      </m:ctrlPr>
+                                    </m:dPr>
+                                    <m:e>
+                                      <m:sSub>
+                                        <m:sSubPr>
+                                          <m:ctrlPr>
+                                            <a:rPr lang="ko-KR" altLang="en-US" i="1">
+                                              <a:solidFill>
+                                                <a:srgbClr val="000000"/>
+                                              </a:solidFill>
+                                              <a:latin typeface="Cambria Math" panose="02040503050406030204" pitchFamily="18" charset="0"/>
+                                            </a:rPr>
+                                          </m:ctrlPr>
+                                        </m:sSubPr>
+                                        <m:e>
+                                          <m:r>
+                                            <a:rPr lang="ko-KR" altLang="en-US" i="1">
+                                              <a:solidFill>
+                                                <a:srgbClr val="000000"/>
+                                              </a:solidFill>
+                                              <a:latin typeface="Cambria Math" panose="02040503050406030204" pitchFamily="18" charset="0"/>
+                                            </a:rPr>
+                                            <m:t>𝑦</m:t>
+                                          </m:r>
+                                        </m:e>
+                                        <m:sub>
+                                          <m:r>
+                                            <a:rPr lang="ko-KR" altLang="en-US" i="1">
+                                              <a:solidFill>
+                                                <a:srgbClr val="000000"/>
+                                              </a:solidFill>
+                                              <a:latin typeface="Cambria Math" panose="02040503050406030204" pitchFamily="18" charset="0"/>
+                                            </a:rPr>
+                                            <m:t>𝑖𝑗</m:t>
+                                          </m:r>
+                                        </m:sub>
+                                      </m:sSub>
+                                      <m:r>
+                                        <a:rPr lang="ko-KR" altLang="en-US" i="1">
+                                          <a:solidFill>
+                                            <a:srgbClr val="000000"/>
+                                          </a:solidFill>
+                                          <a:latin typeface="Cambria Math" panose="02040503050406030204" pitchFamily="18" charset="0"/>
+                                        </a:rPr>
+                                        <m:t>−</m:t>
+                                      </m:r>
+                                      <m:sSub>
+                                        <m:sSubPr>
+                                          <m:ctrlPr>
+                                            <a:rPr lang="ko-KR" altLang="en-US" i="1">
+                                              <a:solidFill>
+                                                <a:srgbClr val="000000"/>
+                                              </a:solidFill>
+                                              <a:latin typeface="Cambria Math" panose="02040503050406030204" pitchFamily="18" charset="0"/>
+                                            </a:rPr>
+                                          </m:ctrlPr>
+                                        </m:sSubPr>
+                                        <m:e>
+                                          <m:r>
+                                            <a:rPr lang="ko-KR" altLang="en-US" i="1">
+                                              <a:solidFill>
+                                                <a:srgbClr val="000000"/>
+                                              </a:solidFill>
+                                              <a:latin typeface="Cambria Math" panose="02040503050406030204" pitchFamily="18" charset="0"/>
+                                            </a:rPr>
+                                            <m:t>𝜇</m:t>
+                                          </m:r>
+                                        </m:e>
+                                        <m:sub>
+                                          <m:r>
+                                            <a:rPr lang="ko-KR" altLang="en-US" i="1">
+                                              <a:solidFill>
+                                                <a:srgbClr val="000000"/>
+                                              </a:solidFill>
+                                              <a:latin typeface="Cambria Math" panose="02040503050406030204" pitchFamily="18" charset="0"/>
+                                            </a:rPr>
+                                            <m:t>𝑖𝑗</m:t>
+                                          </m:r>
+                                        </m:sub>
+                                      </m:sSub>
+                                    </m:e>
+                                  </m:d>
+                                </m:e>
+                                <m:sup>
+                                  <m:r>
+                                    <a:rPr lang="ko-KR" altLang="en-US" i="1">
+                                      <a:solidFill>
+                                        <a:srgbClr val="000000"/>
+                                      </a:solidFill>
+                                      <a:latin typeface="Cambria Math" panose="02040503050406030204" pitchFamily="18" charset="0"/>
+                                    </a:rPr>
+                                    <m:t>2</m:t>
+                                  </m:r>
+                                </m:sup>
+                              </m:sSup>
+                            </m:num>
+                            <m:den>
+                              <m:sSup>
+                                <m:sSupPr>
+                                  <m:ctrlPr>
+                                    <a:rPr lang="ko-KR" altLang="en-US" i="1">
+                                      <a:solidFill>
+                                        <a:srgbClr val="000000"/>
+                                      </a:solidFill>
+                                      <a:latin typeface="Cambria Math" panose="02040503050406030204" pitchFamily="18" charset="0"/>
+                                    </a:rPr>
+                                  </m:ctrlPr>
+                                </m:sSupPr>
+                                <m:e>
+                                  <m:sSub>
+                                    <m:sSubPr>
+                                      <m:ctrlPr>
+                                        <a:rPr lang="ko-KR" altLang="en-US" i="1">
+                                          <a:solidFill>
+                                            <a:srgbClr val="000000"/>
+                                          </a:solidFill>
+                                          <a:latin typeface="Cambria Math" panose="02040503050406030204" pitchFamily="18" charset="0"/>
+                                        </a:rPr>
+                                      </m:ctrlPr>
+                                    </m:sSubPr>
+                                    <m:e>
+                                      <m:r>
+                                        <a:rPr lang="ko-KR" altLang="en-US" i="1">
+                                          <a:solidFill>
+                                            <a:srgbClr val="000000"/>
+                                          </a:solidFill>
+                                          <a:latin typeface="Cambria Math" panose="02040503050406030204" pitchFamily="18" charset="0"/>
+                                        </a:rPr>
+                                        <m:t>𝜎</m:t>
+                                      </m:r>
+                                    </m:e>
+                                    <m:sub>
+                                      <m:r>
+                                        <a:rPr lang="ko-KR" altLang="en-US" i="1">
+                                          <a:solidFill>
+                                            <a:srgbClr val="000000"/>
+                                          </a:solidFill>
+                                          <a:latin typeface="Cambria Math" panose="02040503050406030204" pitchFamily="18" charset="0"/>
+                                        </a:rPr>
+                                        <m:t>𝑖𝑗</m:t>
+                                      </m:r>
+                                    </m:sub>
+                                  </m:sSub>
+                                </m:e>
+                                <m:sup>
+                                  <m:r>
+                                    <a:rPr lang="ko-KR" altLang="en-US" i="1">
+                                      <a:solidFill>
+                                        <a:srgbClr val="000000"/>
+                                      </a:solidFill>
+                                      <a:latin typeface="Cambria Math" panose="02040503050406030204" pitchFamily="18" charset="0"/>
+                                    </a:rPr>
+                                    <m:t>2</m:t>
+                                  </m:r>
+                                </m:sup>
+                              </m:sSup>
+                            </m:den>
+                          </m:f>
+                        </m:e>
+                      </m:nary>
+                    </m:oMath>
+                  </m:oMathPara>
+                </a14:m>
+                <a:endParaRPr lang="ko-KR" altLang="en-US"/>
+              </a:p>
+            </p:txBody>
+          </p:sp>
+        </mc:Choice>
+        <mc:Fallback>
+          <p:sp>
+            <p:nvSpPr>
+              <p:cNvPr id="5" name="Object 8"/>
+              <p:cNvSpPr txBox="1">
+                <a:spLocks noRot="1" noChangeAspect="1" noMove="1" noResize="1" noEditPoints="1" noAdjustHandles="1" noChangeArrowheads="1" noChangeShapeType="1" noTextEdit="1"/>
+              </p:cNvSpPr>
+              <p:nvPr/>
+            </p:nvSpPr>
+            <p:spPr bwMode="auto">
+              <a:xfrm>
+                <a:off x="1609725" y="3983038"/>
+                <a:ext cx="4479925" cy="1165225"/>
+              </a:xfrm>
+              <a:prstGeom prst="rect">
+                <a:avLst/>
+              </a:prstGeom>
+              <a:blipFill>
+                <a:blip r:embed="rId3"/>
+                <a:stretch>
+                  <a:fillRect/>
+                </a:stretch>
+              </a:blipFill>
+              <a:ln>
+                <a:noFill/>
+              </a:ln>
+              <a:effectLst/>
+              <a:extLst/>
+            </p:spPr>
+            <p:txBody>
+              <a:bodyPr/>
+              <a:lstStyle/>
+              <a:p>
+                <a:r>
+                  <a:rPr lang="ko-KR" altLang="en-US">
+                    <a:noFill/>
+                  </a:rPr>
+                  <a:t> </a:t>
+                </a:r>
+              </a:p>
+            </p:txBody>
+          </p:sp>
+        </mc:Fallback>
+      </mc:AlternateContent>
     </p:spTree>
     <p:extLst>
       <p:ext uri="{BB962C8B-B14F-4D97-AF65-F5344CB8AC3E}">
